--- a/slides/chap8-mln.pptx
+++ b/slides/chap8-mln.pptx
@@ -8677,10 +8677,6 @@
               <a:t>note that BPREF values are [0,1] and </a:t>
             </a:r>
             <a:r>
-              <a:rPr lang="en-US" sz="1400" dirty="0"/>
-              <a:t>: </a:t>
-            </a:r>
-            <a:r>
               <a:rPr lang="en-US" sz="1400" i="1" dirty="0" err="1"/>
               <a:t>τ</a:t>
             </a:r>
@@ -9189,6 +9185,71 @@
               <a:t> </a:t>
             </a:r>
             <a:endParaRPr lang="en-US" sz="1200" dirty="0"/>
+          </a:p>
+        </p:txBody>
+      </p:sp>
+      <p:sp>
+        <p:nvSpPr>
+          <p:cNvPr id="6" name="TextBox 5"/>
+          <p:cNvSpPr txBox="1"/>
+          <p:nvPr/>
+        </p:nvSpPr>
+        <p:spPr>
+          <a:xfrm>
+            <a:off x="6256183" y="3124200"/>
+            <a:ext cx="2887817" cy="784830"/>
+          </a:xfrm>
+          <a:prstGeom prst="rect">
+            <a:avLst/>
+          </a:prstGeom>
+          <a:noFill/>
+          <a:ln>
+            <a:solidFill>
+              <a:schemeClr val="accent5"/>
+            </a:solidFill>
+          </a:ln>
+        </p:spPr>
+        <p:txBody>
+          <a:bodyPr wrap="none" rtlCol="0">
+            <a:spAutoFit/>
+          </a:bodyPr>
+          <a:lstStyle/>
+          <a:p>
+            <a:r>
+              <a:rPr lang="en-US" sz="1200" dirty="0" smtClean="0"/>
+              <a:t>if just showing a difference</a:t>
+            </a:r>
+          </a:p>
+          <a:p>
+            <a:r>
+              <a:rPr lang="en-US" sz="1200" dirty="0" smtClean="0"/>
+              <a:t>between A &amp; B, we’d use a </a:t>
+            </a:r>
+          </a:p>
+          <a:p>
+            <a:r>
+              <a:rPr lang="en-US" sz="1200" dirty="0" smtClean="0"/>
+              <a:t>two-sided test</a:t>
+            </a:r>
+          </a:p>
+          <a:p>
+            <a:r>
+              <a:rPr lang="en-US" sz="900" dirty="0">
+                <a:hlinkClick r:id="rId6"/>
+              </a:rPr>
+              <a:t>https://en.wikipedia.org/wiki/One-_and_two-</a:t>
+            </a:r>
+            <a:r>
+              <a:rPr lang="en-US" sz="900" dirty="0" smtClean="0">
+                <a:hlinkClick r:id="rId6"/>
+              </a:rPr>
+              <a:t>tailed_tests</a:t>
+            </a:r>
+            <a:r>
+              <a:rPr lang="en-US" sz="900" dirty="0" smtClean="0"/>
+              <a:t> </a:t>
+            </a:r>
+            <a:endParaRPr lang="en-US" sz="900" dirty="0"/>
           </a:p>
         </p:txBody>
       </p:sp>
